--- a/Modern Data Architecture Solution in HDFC Bank 01.pptx
+++ b/Modern Data Architecture Solution in HDFC Bank 01.pptx
@@ -261,7 +261,7 @@
           <a:p>
             <a:fld id="{B97CB3F8-6470-4C41-94D3-A56F1E610BBE}" type="datetimeFigureOut">
               <a:rPr lang="en-US" smtClean="0"/>
-              <a:t>10/24/2024</a:t>
+              <a:t>10/25/2024</a:t>
             </a:fld>
             <a:endParaRPr lang="en-US"/>
           </a:p>
@@ -459,7 +459,7 @@
           <a:p>
             <a:fld id="{B97CB3F8-6470-4C41-94D3-A56F1E610BBE}" type="datetimeFigureOut">
               <a:rPr lang="en-US" smtClean="0"/>
-              <a:t>10/24/2024</a:t>
+              <a:t>10/25/2024</a:t>
             </a:fld>
             <a:endParaRPr lang="en-US"/>
           </a:p>
@@ -667,7 +667,7 @@
           <a:p>
             <a:fld id="{B97CB3F8-6470-4C41-94D3-A56F1E610BBE}" type="datetimeFigureOut">
               <a:rPr lang="en-US" smtClean="0"/>
-              <a:t>10/24/2024</a:t>
+              <a:t>10/25/2024</a:t>
             </a:fld>
             <a:endParaRPr lang="en-US"/>
           </a:p>
@@ -865,7 +865,7 @@
           <a:p>
             <a:fld id="{B97CB3F8-6470-4C41-94D3-A56F1E610BBE}" type="datetimeFigureOut">
               <a:rPr lang="en-US" smtClean="0"/>
-              <a:t>10/24/2024</a:t>
+              <a:t>10/25/2024</a:t>
             </a:fld>
             <a:endParaRPr lang="en-US"/>
           </a:p>
@@ -1140,7 +1140,7 @@
           <a:p>
             <a:fld id="{B97CB3F8-6470-4C41-94D3-A56F1E610BBE}" type="datetimeFigureOut">
               <a:rPr lang="en-US" smtClean="0"/>
-              <a:t>10/24/2024</a:t>
+              <a:t>10/25/2024</a:t>
             </a:fld>
             <a:endParaRPr lang="en-US"/>
           </a:p>
@@ -1405,7 +1405,7 @@
           <a:p>
             <a:fld id="{B97CB3F8-6470-4C41-94D3-A56F1E610BBE}" type="datetimeFigureOut">
               <a:rPr lang="en-US" smtClean="0"/>
-              <a:t>10/24/2024</a:t>
+              <a:t>10/25/2024</a:t>
             </a:fld>
             <a:endParaRPr lang="en-US"/>
           </a:p>
@@ -1817,7 +1817,7 @@
           <a:p>
             <a:fld id="{B97CB3F8-6470-4C41-94D3-A56F1E610BBE}" type="datetimeFigureOut">
               <a:rPr lang="en-US" smtClean="0"/>
-              <a:t>10/24/2024</a:t>
+              <a:t>10/25/2024</a:t>
             </a:fld>
             <a:endParaRPr lang="en-US"/>
           </a:p>
@@ -1958,7 +1958,7 @@
           <a:p>
             <a:fld id="{B97CB3F8-6470-4C41-94D3-A56F1E610BBE}" type="datetimeFigureOut">
               <a:rPr lang="en-US" smtClean="0"/>
-              <a:t>10/24/2024</a:t>
+              <a:t>10/25/2024</a:t>
             </a:fld>
             <a:endParaRPr lang="en-US"/>
           </a:p>
@@ -2071,7 +2071,7 @@
           <a:p>
             <a:fld id="{B97CB3F8-6470-4C41-94D3-A56F1E610BBE}" type="datetimeFigureOut">
               <a:rPr lang="en-US" smtClean="0"/>
-              <a:t>10/24/2024</a:t>
+              <a:t>10/25/2024</a:t>
             </a:fld>
             <a:endParaRPr lang="en-US"/>
           </a:p>
@@ -2382,7 +2382,7 @@
           <a:p>
             <a:fld id="{B97CB3F8-6470-4C41-94D3-A56F1E610BBE}" type="datetimeFigureOut">
               <a:rPr lang="en-US" smtClean="0"/>
-              <a:t>10/24/2024</a:t>
+              <a:t>10/25/2024</a:t>
             </a:fld>
             <a:endParaRPr lang="en-US"/>
           </a:p>
@@ -2670,7 +2670,7 @@
           <a:p>
             <a:fld id="{B97CB3F8-6470-4C41-94D3-A56F1E610BBE}" type="datetimeFigureOut">
               <a:rPr lang="en-US" smtClean="0"/>
-              <a:t>10/24/2024</a:t>
+              <a:t>10/25/2024</a:t>
             </a:fld>
             <a:endParaRPr lang="en-US"/>
           </a:p>
@@ -2911,7 +2911,7 @@
           <a:p>
             <a:fld id="{B97CB3F8-6470-4C41-94D3-A56F1E610BBE}" type="datetimeFigureOut">
               <a:rPr lang="en-US" smtClean="0"/>
-              <a:t>10/24/2024</a:t>
+              <a:t>10/25/2024</a:t>
             </a:fld>
             <a:endParaRPr lang="en-US"/>
           </a:p>
@@ -3377,8 +3377,8 @@
         </p:nvSpPr>
         <p:spPr>
           <a:xfrm>
-            <a:off x="838200" y="1825625"/>
-            <a:ext cx="10504548" cy="2686998"/>
+            <a:off x="838200" y="1825624"/>
+            <a:ext cx="10504548" cy="3725069"/>
           </a:xfrm>
         </p:spPr>
         <p:txBody>
@@ -3478,7 +3478,7 @@
         </p:nvSpPr>
         <p:spPr>
           <a:xfrm>
-            <a:off x="838200" y="365125"/>
+            <a:off x="934244" y="293873"/>
             <a:ext cx="10515600" cy="900405"/>
           </a:xfrm>
         </p:spPr>
@@ -3496,37 +3496,12 @@
           </a:p>
         </p:txBody>
       </p:sp>
-      <p:sp>
-        <p:nvSpPr>
-          <p:cNvPr id="7" name="Content Placeholder 6">
-            <a:extLst>
-              <a:ext uri="{FF2B5EF4-FFF2-40B4-BE49-F238E27FC236}">
-                <a16:creationId xmlns:a16="http://schemas.microsoft.com/office/drawing/2014/main" id="{66BC542B-797D-53CD-682E-E0B48532317C}"/>
-              </a:ext>
-            </a:extLst>
-          </p:cNvPr>
-          <p:cNvSpPr>
-            <a:spLocks noGrp="1"/>
-          </p:cNvSpPr>
-          <p:nvPr>
-            <p:ph idx="1"/>
-          </p:nvPr>
-        </p:nvSpPr>
-        <p:spPr/>
-        <p:txBody>
-          <a:bodyPr/>
-          <a:lstStyle/>
-          <a:p>
-            <a:endParaRPr lang="en-US" dirty="0"/>
-          </a:p>
-        </p:txBody>
-      </p:sp>
       <p:pic>
         <p:nvPicPr>
-          <p:cNvPr id="4" name="Picture 3">
-            <a:extLst>
-              <a:ext uri="{FF2B5EF4-FFF2-40B4-BE49-F238E27FC236}">
-                <a16:creationId xmlns:a16="http://schemas.microsoft.com/office/drawing/2014/main" id="{B17A70BF-3E6D-4171-58D5-2FD3EA0E841E}"/>
+          <p:cNvPr id="18" name="Picture 17">
+            <a:extLst>
+              <a:ext uri="{FF2B5EF4-FFF2-40B4-BE49-F238E27FC236}">
+                <a16:creationId xmlns:a16="http://schemas.microsoft.com/office/drawing/2014/main" id="{A8C95726-69EC-A6CF-A463-912DCA31FF84}"/>
               </a:ext>
             </a:extLst>
           </p:cNvPr>
@@ -3543,8 +3518,8 @@
         </p:blipFill>
         <p:spPr>
           <a:xfrm>
-            <a:off x="1171575" y="1179328"/>
-            <a:ext cx="10515600" cy="5421497"/>
+            <a:off x="934244" y="1092529"/>
+            <a:ext cx="10795971" cy="5738759"/>
           </a:xfrm>
           <a:prstGeom prst="rect">
             <a:avLst/>
@@ -3624,7 +3599,7 @@
         <p:spPr>
           <a:xfrm>
             <a:off x="7659583" y="1690688"/>
-            <a:ext cx="4251367" cy="1754326"/>
+            <a:ext cx="4304807" cy="2031325"/>
           </a:xfrm>
           <a:prstGeom prst="rect">
             <a:avLst/>
@@ -3659,7 +3634,7 @@
           <a:p>
             <a:r>
               <a:rPr lang="en-US" dirty="0"/>
-              <a:t>- Redshift will be costly </a:t>
+              <a:t>- Redshift will be very costly due to self managed resources</a:t>
             </a:r>
             <a:endParaRPr lang="en-US" b="1" dirty="0">
               <a:solidFill>
@@ -3671,7 +3646,7 @@
           <a:p>
             <a:r>
               <a:rPr lang="en-US" dirty="0"/>
-              <a:t>- Network costs are second highest at ~15%</a:t>
+              <a:t>- Network costs are second highest</a:t>
             </a:r>
             <a:endParaRPr lang="en-US" b="1" dirty="0">
               <a:solidFill>
